--- a/Work Packages/WP9 Outreach and communication/Presentations/M18 Review Meeting/WP6 18th months review.pptx
+++ b/Work Packages/WP9 Outreach and communication/Presentations/M18 Review Meeting/WP6 18th months review.pptx
@@ -15619,15 +15619,7 @@
             </a:r>
             <a:r>
               <a:rPr lang="en-US" dirty="0" smtClean="0"/>
-              <a:t> use case (archive</a:t>
-            </a:r>
-            <a:r>
-              <a:rPr lang="en-US" dirty="0" smtClean="0"/>
-              <a:t>): </a:t>
-            </a:r>
-            <a:r>
-              <a:rPr lang="en-US" dirty="0" smtClean="0"/>
-              <a:t>well advance, most technical solutions are in place – currently implementation of a file distribution catalogue (</a:t>
+              <a:t> use case (archive): well advance, most technical solutions are in place – currently implementation of a file distribution catalogue (</a:t>
             </a:r>
             <a:r>
               <a:rPr lang="en-US" dirty="0" err="1" smtClean="0"/>
@@ -15650,45 +15642,13 @@
             </a:r>
             <a:r>
               <a:rPr lang="en-US" dirty="0" smtClean="0"/>
-              <a:t> use case </a:t>
-            </a:r>
-            <a:r>
-              <a:rPr lang="en-US" dirty="0" smtClean="0"/>
-              <a:t>(user </a:t>
-            </a:r>
-            <a:r>
-              <a:rPr lang="en-US" dirty="0" smtClean="0"/>
-              <a:t>driven transfer</a:t>
-            </a:r>
-            <a:r>
-              <a:rPr lang="en-US" dirty="0" smtClean="0"/>
-              <a:t>): </a:t>
-            </a:r>
-            <a:r>
-              <a:rPr lang="en-US" dirty="0" smtClean="0"/>
-              <a:t>discussion with EGI and Globus </a:t>
-            </a:r>
-            <a:r>
-              <a:rPr lang="en-US" dirty="0" smtClean="0"/>
-              <a:t>ongoing </a:t>
-            </a:r>
-            <a:r>
-              <a:rPr lang="en-US" dirty="0" smtClean="0"/>
-              <a:t>(privacy, security, business model)</a:t>
+              <a:t> use case (user driven transfer): discussion with EGI and Globus ongoing (privacy, security, business model)</a:t>
             </a:r>
           </a:p>
           <a:p>
             <a:r>
               <a:rPr lang="en-US" dirty="0" smtClean="0"/>
-              <a:t>Software catalogue: requirements from the community collected, </a:t>
-            </a:r>
-            <a:r>
-              <a:rPr lang="en-US" dirty="0" smtClean="0"/>
-              <a:t>developments </a:t>
-            </a:r>
-            <a:r>
-              <a:rPr lang="en-US" dirty="0" smtClean="0"/>
-              <a:t>are going to start.</a:t>
+              <a:t>Software catalogue: requirements from the community collected, developments are going to start.</a:t>
             </a:r>
           </a:p>
           <a:p>
@@ -15702,19 +15662,7 @@
             </a:r>
             <a:r>
               <a:rPr lang="en-US" dirty="0" smtClean="0"/>
-              <a:t> </a:t>
-            </a:r>
-            <a:r>
-              <a:rPr lang="en-US" dirty="0" smtClean="0"/>
-              <a:t>services, </a:t>
-            </a:r>
-            <a:r>
-              <a:rPr lang="en-US" dirty="0" smtClean="0"/>
-              <a:t>2 services </a:t>
-            </a:r>
-            <a:r>
-              <a:rPr lang="en-US" dirty="0" smtClean="0"/>
-              <a:t>ready:</a:t>
+              <a:t> services, 2 services ready:</a:t>
             </a:r>
           </a:p>
           <a:p>
@@ -15728,11 +15676,7 @@
             <a:pPr lvl="1"/>
             <a:r>
               <a:rPr lang="en-US" dirty="0" smtClean="0"/>
-              <a:t>E-</a:t>
-            </a:r>
-            <a:r>
-              <a:rPr lang="en-US" dirty="0" smtClean="0"/>
-              <a:t>Learning platform</a:t>
+              <a:t>E-Learning platform</a:t>
             </a:r>
             <a:r>
               <a:rPr lang="en-US" dirty="0"/>
@@ -15992,7 +15936,6 @@
               <a:rPr lang="en-GB" dirty="0" smtClean="0"/>
               <a:t> </a:t>
             </a:r>
-            <a:endParaRPr lang="en-GB" dirty="0" smtClean="0"/>
           </a:p>
           <a:p>
             <a:r>
@@ -16003,19 +15946,7 @@
           <a:p>
             <a:r>
               <a:rPr lang="en-GB" dirty="0" smtClean="0"/>
-              <a:t>System/network </a:t>
-            </a:r>
-            <a:r>
-              <a:rPr lang="en-GB" dirty="0" smtClean="0"/>
-              <a:t>admin </a:t>
-            </a:r>
-            <a:r>
-              <a:rPr lang="en-GB" dirty="0" smtClean="0"/>
-              <a:t>job </a:t>
-            </a:r>
-            <a:r>
-              <a:rPr lang="en-GB" dirty="0" smtClean="0"/>
-              <a:t>market </a:t>
+              <a:t>System/network admin job market </a:t>
             </a:r>
             <a:r>
               <a:rPr lang="en-GB" dirty="0"/>
@@ -16031,17 +15962,8 @@
             </a:r>
             <a:r>
               <a:rPr lang="en-GB" dirty="0" smtClean="0"/>
-              <a:t>(extremely </a:t>
-            </a:r>
-            <a:r>
-              <a:rPr lang="en-GB" dirty="0" smtClean="0"/>
-              <a:t>difficult </a:t>
-            </a:r>
-            <a:r>
-              <a:rPr lang="en-GB" dirty="0" smtClean="0"/>
-              <a:t>to hire).</a:t>
-            </a:r>
-            <a:endParaRPr lang="en-GB" dirty="0" smtClean="0"/>
+              <a:t>(extremely difficult to hire).</a:t>
+            </a:r>
           </a:p>
           <a:p>
             <a:pPr marL="0" indent="0">
@@ -16321,7 +16243,6 @@
               <a:rPr lang="en-GB" dirty="0" smtClean="0"/>
               <a:t> </a:t>
             </a:r>
-            <a:endParaRPr lang="en-GB" dirty="0" smtClean="0"/>
           </a:p>
           <a:p>
             <a:r>
@@ -16332,29 +16253,8 @@
           <a:p>
             <a:r>
               <a:rPr lang="en-GB" dirty="0" smtClean="0"/>
-              <a:t>System/network </a:t>
-            </a:r>
-            <a:r>
-              <a:rPr lang="en-GB" dirty="0" smtClean="0"/>
-              <a:t>admin </a:t>
-            </a:r>
-            <a:r>
-              <a:rPr lang="en-GB" dirty="0" smtClean="0"/>
-              <a:t>job </a:t>
-            </a:r>
-            <a:r>
-              <a:rPr lang="en-GB" dirty="0" smtClean="0"/>
-              <a:t>market (extremely </a:t>
-            </a:r>
-            <a:r>
-              <a:rPr lang="en-GB" dirty="0" smtClean="0"/>
-              <a:t>difficult </a:t>
-            </a:r>
-            <a:r>
-              <a:rPr lang="en-GB" dirty="0" smtClean="0"/>
-              <a:t>to hire).</a:t>
-            </a:r>
-            <a:endParaRPr lang="en-GB" dirty="0" smtClean="0"/>
+              <a:t>System/network admin job market (extremely difficult to hire).</a:t>
+            </a:r>
           </a:p>
           <a:p>
             <a:pPr marL="0" indent="0">
@@ -17833,30 +17733,14 @@
             <a:pPr lvl="1"/>
             <a:r>
               <a:rPr lang="en-GB" dirty="0" smtClean="0"/>
-              <a:t>Authentication and Authorisation Infrastructure (AAI): common </a:t>
-            </a:r>
-            <a:r>
-              <a:rPr lang="en-GB" dirty="0" smtClean="0"/>
-              <a:t>user </a:t>
-            </a:r>
-            <a:r>
-              <a:rPr lang="en-GB" dirty="0" smtClean="0"/>
-              <a:t>authentication for all PaNOSC (EOSC?) services</a:t>
+              <a:t>Authentication and Authorisation Infrastructure (AAI): common user authentication for all PaNOSC (EOSC?) services</a:t>
             </a:r>
           </a:p>
           <a:p>
             <a:pPr lvl="1"/>
             <a:r>
               <a:rPr lang="en-GB" dirty="0" smtClean="0"/>
-              <a:t>Data transfer: bringing data to services or vice versa, quest for the right model (depending on </a:t>
-            </a:r>
-            <a:r>
-              <a:rPr lang="en-GB" dirty="0" smtClean="0"/>
-              <a:t>the service </a:t>
-            </a:r>
-            <a:r>
-              <a:rPr lang="en-GB" dirty="0" smtClean="0"/>
-              <a:t>type, data volume, …)</a:t>
+              <a:t>Data transfer: bringing data to services or vice versa, quest for the right model (depending on the service type, data volume, …)</a:t>
             </a:r>
           </a:p>
           <a:p>
@@ -18293,9 +18177,6 @@
               </a:rPr>
               <a:t>data.</a:t>
             </a:r>
-            <a:endParaRPr lang="en-US" sz="2000" dirty="0" smtClean="0">
-              <a:latin typeface="+mj-lt"/>
-            </a:endParaRPr>
           </a:p>
           <a:p>
             <a:pPr marL="457200" lvl="1" indent="0">
@@ -18496,23 +18377,7 @@
             <a:pPr lvl="1"/>
             <a:r>
               <a:rPr lang="en-US" sz="2000" dirty="0" smtClean="0"/>
-              <a:t>Integrate EOSC </a:t>
-            </a:r>
-            <a:r>
-              <a:rPr lang="en-US" sz="2000" dirty="0" smtClean="0"/>
-              <a:t>– I.E. move </a:t>
-            </a:r>
-            <a:r>
-              <a:rPr lang="en-US" sz="2000" dirty="0" smtClean="0"/>
-              <a:t>to </a:t>
-            </a:r>
-            <a:r>
-              <a:rPr lang="en-US" sz="2000" dirty="0" smtClean="0"/>
-              <a:t>the </a:t>
-            </a:r>
-            <a:r>
-              <a:rPr lang="en-US" sz="2000" dirty="0" smtClean="0"/>
-              <a:t>AARC </a:t>
+              <a:t>Integrate EOSC – I.E. move to the AARC </a:t>
             </a:r>
             <a:r>
               <a:rPr lang="en-US" sz="2000" dirty="0" err="1" smtClean="0"/>
@@ -18580,11 +18445,7 @@
             <a:pPr lvl="1"/>
             <a:r>
               <a:rPr lang="en-US" sz="2000" dirty="0" smtClean="0"/>
-              <a:t>Collaborate closely with GÉANT to achieve the above </a:t>
-            </a:r>
-            <a:r>
-              <a:rPr lang="en-US" sz="2000" dirty="0" smtClean="0"/>
-              <a:t>objectives.</a:t>
+              <a:t>Collaborate closely with GÉANT to achieve the above objectives.</a:t>
             </a:r>
             <a:endParaRPr lang="en-US" sz="2000" dirty="0"/>
           </a:p>
@@ -19322,19 +19183,7 @@
           <a:p>
             <a:r>
               <a:rPr lang="en-GB" dirty="0" smtClean="0"/>
-              <a:t>Authenticate users </a:t>
-            </a:r>
-            <a:r>
-              <a:rPr lang="en-GB" dirty="0" smtClean="0"/>
-              <a:t>using </a:t>
-            </a:r>
-            <a:r>
-              <a:rPr lang="en-GB" dirty="0" smtClean="0"/>
-              <a:t>EOSC ready </a:t>
-            </a:r>
-            <a:r>
-              <a:rPr lang="en-GB" dirty="0" smtClean="0"/>
-              <a:t>AAI (</a:t>
+              <a:t>Authenticate users using EOSC ready AAI (</a:t>
             </a:r>
             <a:r>
               <a:rPr lang="en-GB" dirty="0" err="1" smtClean="0"/>
@@ -19344,16 +19193,11 @@
               <a:rPr lang="en-GB" dirty="0" smtClean="0"/>
               <a:t>)</a:t>
             </a:r>
-            <a:endParaRPr lang="en-GB" dirty="0" smtClean="0"/>
           </a:p>
           <a:p>
             <a:r>
               <a:rPr lang="en-GB" dirty="0" smtClean="0"/>
-              <a:t>Authorise data access (open or embargo </a:t>
-            </a:r>
-            <a:r>
-              <a:rPr lang="en-GB" dirty="0" smtClean="0"/>
-              <a:t>data).</a:t>
+              <a:t>Authorise data access (open or embargo data).</a:t>
             </a:r>
             <a:endParaRPr lang="en-GB" dirty="0"/>
           </a:p>
@@ -20877,6 +20721,115 @@
           </a:p>
         </p:txBody>
       </p:sp>
+      <p:grpSp>
+        <p:nvGrpSpPr>
+          <p:cNvPr id="4" name="Groupe 3"/>
+          <p:cNvGrpSpPr/>
+          <p:nvPr/>
+        </p:nvGrpSpPr>
+        <p:grpSpPr>
+          <a:xfrm>
+            <a:off x="263352" y="3803935"/>
+            <a:ext cx="626282" cy="2074666"/>
+            <a:chOff x="263352" y="3803935"/>
+            <a:chExt cx="626282" cy="2074666"/>
+          </a:xfrm>
+        </p:grpSpPr>
+        <p:pic>
+          <p:nvPicPr>
+            <p:cNvPr id="2" name="Image 1"/>
+            <p:cNvPicPr>
+              <a:picLocks noChangeAspect="1"/>
+            </p:cNvPicPr>
+            <p:nvPr/>
+          </p:nvPicPr>
+          <p:blipFill rotWithShape="1">
+            <a:blip r:embed="rId22">
+              <a:clrChange>
+                <a:clrFrom>
+                  <a:srgbClr val="FEFEFE"/>
+                </a:clrFrom>
+                <a:clrTo>
+                  <a:srgbClr val="FEFEFE">
+                    <a:alpha val="0"/>
+                  </a:srgbClr>
+                </a:clrTo>
+              </a:clrChange>
+            </a:blip>
+            <a:srcRect l="1929" t="39423" r="2628" b="44512"/>
+            <a:stretch/>
+          </p:blipFill>
+          <p:spPr>
+            <a:xfrm rot="16200000">
+              <a:off x="-599380" y="4666667"/>
+              <a:ext cx="2074666" cy="349201"/>
+            </a:xfrm>
+            <a:prstGeom prst="rect">
+              <a:avLst/>
+            </a:prstGeom>
+          </p:spPr>
+        </p:pic>
+        <p:sp>
+          <p:nvSpPr>
+            <p:cNvPr id="3" name="ZoneTexte 2"/>
+            <p:cNvSpPr txBox="1"/>
+            <p:nvPr/>
+          </p:nvSpPr>
+          <p:spPr>
+            <a:xfrm rot="16200000">
+              <a:off x="157863" y="4791353"/>
+              <a:ext cx="1186543" cy="276999"/>
+            </a:xfrm>
+            <a:prstGeom prst="rect">
+              <a:avLst/>
+            </a:prstGeom>
+            <a:noFill/>
+          </p:spPr>
+          <p:txBody>
+            <a:bodyPr wrap="none" rtlCol="0">
+              <a:spAutoFit/>
+            </a:bodyPr>
+            <a:lstStyle/>
+            <a:p>
+              <a:r>
+                <a:rPr lang="en-GB" sz="1200" dirty="0" smtClean="0"/>
+                <a:t>Local network</a:t>
+              </a:r>
+              <a:endParaRPr lang="en-GB" sz="1200" dirty="0"/>
+            </a:p>
+          </p:txBody>
+        </p:sp>
+      </p:grpSp>
+      <p:sp>
+        <p:nvSpPr>
+          <p:cNvPr id="33" name="ZoneTexte 32"/>
+          <p:cNvSpPr txBox="1"/>
+          <p:nvPr/>
+        </p:nvSpPr>
+        <p:spPr>
+          <a:xfrm rot="20857638">
+            <a:off x="7146001" y="5218721"/>
+            <a:ext cx="2111475" cy="276999"/>
+          </a:xfrm>
+          <a:prstGeom prst="rect">
+            <a:avLst/>
+          </a:prstGeom>
+          <a:noFill/>
+        </p:spPr>
+        <p:txBody>
+          <a:bodyPr wrap="none" rtlCol="0">
+            <a:spAutoFit/>
+          </a:bodyPr>
+          <a:lstStyle/>
+          <a:p>
+            <a:r>
+              <a:rPr lang="en-GB" sz="1200" dirty="0" smtClean="0"/>
+              <a:t>GÉANT network (100’s km)</a:t>
+            </a:r>
+            <a:endParaRPr lang="en-GB" sz="1200" dirty="0"/>
+          </a:p>
+        </p:txBody>
+      </p:sp>
     </p:spTree>
     <p:extLst>
       <p:ext uri="{BB962C8B-B14F-4D97-AF65-F5344CB8AC3E}">
@@ -21015,39 +20968,21 @@
                                   </p:childTnLst>
                                 </p:cTn>
                               </p:par>
-                            </p:childTnLst>
-                          </p:cTn>
-                        </p:par>
-                      </p:childTnLst>
-                    </p:cTn>
-                  </p:par>
-                  <p:par>
-                    <p:cTn id="13" fill="hold">
-                      <p:stCondLst>
-                        <p:cond delay="indefinite"/>
-                      </p:stCondLst>
-                      <p:childTnLst>
-                        <p:par>
-                          <p:cTn id="14" fill="hold">
-                            <p:stCondLst>
-                              <p:cond delay="0"/>
-                            </p:stCondLst>
-                            <p:childTnLst>
                               <p:par>
-                                <p:cTn id="15" presetID="1" presetClass="entr" presetSubtype="0" fill="hold" grpId="0" nodeType="clickEffect">
+                                <p:cTn id="13" presetID="1" presetClass="entr" presetSubtype="0" fill="hold" nodeType="withEffect">
                                   <p:stCondLst>
                                     <p:cond delay="0"/>
                                   </p:stCondLst>
                                   <p:childTnLst>
                                     <p:set>
                                       <p:cBhvr>
-                                        <p:cTn id="16" dur="1" fill="hold">
+                                        <p:cTn id="14" dur="1" fill="hold">
                                           <p:stCondLst>
                                             <p:cond delay="0"/>
                                           </p:stCondLst>
                                         </p:cTn>
                                         <p:tgtEl>
-                                          <p:spTgt spid="24"/>
+                                          <p:spTgt spid="4"/>
                                         </p:tgtEl>
                                         <p:attrNameLst>
                                           <p:attrName>style.visibility</p:attrName>
@@ -21060,8 +20995,26 @@
                                   </p:childTnLst>
                                 </p:cTn>
                               </p:par>
+                            </p:childTnLst>
+                          </p:cTn>
+                        </p:par>
+                      </p:childTnLst>
+                    </p:cTn>
+                  </p:par>
+                  <p:par>
+                    <p:cTn id="15" fill="hold">
+                      <p:stCondLst>
+                        <p:cond delay="indefinite"/>
+                      </p:stCondLst>
+                      <p:childTnLst>
+                        <p:par>
+                          <p:cTn id="16" fill="hold">
+                            <p:stCondLst>
+                              <p:cond delay="0"/>
+                            </p:stCondLst>
+                            <p:childTnLst>
                               <p:par>
-                                <p:cTn id="17" presetID="1" presetClass="entr" presetSubtype="0" fill="hold" grpId="0" nodeType="withEffect">
+                                <p:cTn id="17" presetID="1" presetClass="entr" presetSubtype="0" fill="hold" grpId="0" nodeType="clickEffect">
                                   <p:stCondLst>
                                     <p:cond delay="0"/>
                                   </p:stCondLst>
@@ -21074,7 +21027,7 @@
                                           </p:stCondLst>
                                         </p:cTn>
                                         <p:tgtEl>
-                                          <p:spTgt spid="25"/>
+                                          <p:spTgt spid="24"/>
                                         </p:tgtEl>
                                         <p:attrNameLst>
                                           <p:attrName>style.visibility</p:attrName>
@@ -21101,7 +21054,7 @@
                                           </p:stCondLst>
                                         </p:cTn>
                                         <p:tgtEl>
-                                          <p:spTgt spid="26"/>
+                                          <p:spTgt spid="25"/>
                                         </p:tgtEl>
                                         <p:attrNameLst>
                                           <p:attrName>style.visibility</p:attrName>
@@ -21128,6 +21081,33 @@
                                           </p:stCondLst>
                                         </p:cTn>
                                         <p:tgtEl>
+                                          <p:spTgt spid="26"/>
+                                        </p:tgtEl>
+                                        <p:attrNameLst>
+                                          <p:attrName>style.visibility</p:attrName>
+                                        </p:attrNameLst>
+                                      </p:cBhvr>
+                                      <p:to>
+                                        <p:strVal val="visible"/>
+                                      </p:to>
+                                    </p:set>
+                                  </p:childTnLst>
+                                </p:cTn>
+                              </p:par>
+                              <p:par>
+                                <p:cTn id="23" presetID="1" presetClass="entr" presetSubtype="0" fill="hold" grpId="0" nodeType="withEffect">
+                                  <p:stCondLst>
+                                    <p:cond delay="0"/>
+                                  </p:stCondLst>
+                                  <p:childTnLst>
+                                    <p:set>
+                                      <p:cBhvr>
+                                        <p:cTn id="24" dur="1" fill="hold">
+                                          <p:stCondLst>
+                                            <p:cond delay="0"/>
+                                          </p:stCondLst>
+                                        </p:cTn>
+                                        <p:tgtEl>
                                           <p:spTgt spid="23"/>
                                         </p:tgtEl>
                                         <p:attrNameLst>
@@ -21142,34 +21122,7 @@
                                 </p:cTn>
                               </p:par>
                               <p:par>
-                                <p:cTn id="23" presetID="1" presetClass="entr" presetSubtype="0" fill="hold" nodeType="withEffect">
-                                  <p:stCondLst>
-                                    <p:cond delay="0"/>
-                                  </p:stCondLst>
-                                  <p:childTnLst>
-                                    <p:set>
-                                      <p:cBhvr>
-                                        <p:cTn id="24" dur="1" fill="hold">
-                                          <p:stCondLst>
-                                            <p:cond delay="0"/>
-                                          </p:stCondLst>
-                                        </p:cTn>
-                                        <p:tgtEl>
-                                          <p:spTgt spid="28"/>
-                                        </p:tgtEl>
-                                        <p:attrNameLst>
-                                          <p:attrName>style.visibility</p:attrName>
-                                        </p:attrNameLst>
-                                      </p:cBhvr>
-                                      <p:to>
-                                        <p:strVal val="visible"/>
-                                      </p:to>
-                                    </p:set>
-                                  </p:childTnLst>
-                                </p:cTn>
-                              </p:par>
-                              <p:par>
-                                <p:cTn id="25" presetID="1" presetClass="entr" presetSubtype="0" fill="hold" grpId="0" nodeType="withEffect">
+                                <p:cTn id="25" presetID="1" presetClass="entr" presetSubtype="0" fill="hold" nodeType="withEffect">
                                   <p:stCondLst>
                                     <p:cond delay="0"/>
                                   </p:stCondLst>
@@ -21182,7 +21135,7 @@
                                           </p:stCondLst>
                                         </p:cTn>
                                         <p:tgtEl>
-                                          <p:spTgt spid="21"/>
+                                          <p:spTgt spid="28"/>
                                         </p:tgtEl>
                                         <p:attrNameLst>
                                           <p:attrName>style.visibility</p:attrName>
@@ -21209,7 +21162,7 @@
                                           </p:stCondLst>
                                         </p:cTn>
                                         <p:tgtEl>
-                                          <p:spTgt spid="22"/>
+                                          <p:spTgt spid="21"/>
                                         </p:tgtEl>
                                         <p:attrNameLst>
                                           <p:attrName>style.visibility</p:attrName>
@@ -21236,7 +21189,7 @@
                                           </p:stCondLst>
                                         </p:cTn>
                                         <p:tgtEl>
-                                          <p:spTgt spid="20"/>
+                                          <p:spTgt spid="22"/>
                                         </p:tgtEl>
                                         <p:attrNameLst>
                                           <p:attrName>style.visibility</p:attrName>
@@ -21263,6 +21216,33 @@
                                           </p:stCondLst>
                                         </p:cTn>
                                         <p:tgtEl>
+                                          <p:spTgt spid="20"/>
+                                        </p:tgtEl>
+                                        <p:attrNameLst>
+                                          <p:attrName>style.visibility</p:attrName>
+                                        </p:attrNameLst>
+                                      </p:cBhvr>
+                                      <p:to>
+                                        <p:strVal val="visible"/>
+                                      </p:to>
+                                    </p:set>
+                                  </p:childTnLst>
+                                </p:cTn>
+                              </p:par>
+                              <p:par>
+                                <p:cTn id="33" presetID="1" presetClass="entr" presetSubtype="0" fill="hold" grpId="0" nodeType="withEffect">
+                                  <p:stCondLst>
+                                    <p:cond delay="0"/>
+                                  </p:stCondLst>
+                                  <p:childTnLst>
+                                    <p:set>
+                                      <p:cBhvr>
+                                        <p:cTn id="34" dur="1" fill="hold">
+                                          <p:stCondLst>
+                                            <p:cond delay="0"/>
+                                          </p:stCondLst>
+                                        </p:cTn>
+                                        <p:tgtEl>
                                           <p:spTgt spid="27"/>
                                         </p:tgtEl>
                                         <p:attrNameLst>
@@ -21277,20 +21257,47 @@
                                 </p:cTn>
                               </p:par>
                               <p:par>
-                                <p:cTn id="33" presetID="1" presetClass="entr" presetSubtype="0" fill="hold" nodeType="withEffect">
+                                <p:cTn id="35" presetID="1" presetClass="entr" presetSubtype="0" fill="hold" nodeType="withEffect">
                                   <p:stCondLst>
                                     <p:cond delay="0"/>
                                   </p:stCondLst>
                                   <p:childTnLst>
                                     <p:set>
                                       <p:cBhvr>
-                                        <p:cTn id="34" dur="1" fill="hold">
+                                        <p:cTn id="36" dur="1" fill="hold">
                                           <p:stCondLst>
                                             <p:cond delay="0"/>
                                           </p:stCondLst>
                                         </p:cTn>
                                         <p:tgtEl>
                                           <p:spTgt spid="31"/>
+                                        </p:tgtEl>
+                                        <p:attrNameLst>
+                                          <p:attrName>style.visibility</p:attrName>
+                                        </p:attrNameLst>
+                                      </p:cBhvr>
+                                      <p:to>
+                                        <p:strVal val="visible"/>
+                                      </p:to>
+                                    </p:set>
+                                  </p:childTnLst>
+                                </p:cTn>
+                              </p:par>
+                              <p:par>
+                                <p:cTn id="37" presetID="1" presetClass="entr" presetSubtype="0" fill="hold" grpId="0" nodeType="withEffect">
+                                  <p:stCondLst>
+                                    <p:cond delay="0"/>
+                                  </p:stCondLst>
+                                  <p:childTnLst>
+                                    <p:set>
+                                      <p:cBhvr>
+                                        <p:cTn id="38" dur="1" fill="hold">
+                                          <p:stCondLst>
+                                            <p:cond delay="0"/>
+                                          </p:stCondLst>
+                                        </p:cTn>
+                                        <p:tgtEl>
+                                          <p:spTgt spid="33"/>
                                         </p:tgtEl>
                                         <p:attrNameLst>
                                           <p:attrName>style.visibility</p:attrName>
@@ -21339,6 +21346,7 @@
       <p:bldP spid="25" grpId="0" animBg="1"/>
       <p:bldP spid="26" grpId="0" animBg="1"/>
       <p:bldP spid="27" grpId="0"/>
+      <p:bldP spid="33" grpId="0"/>
     </p:bldLst>
   </p:timing>
 </p:sld>
@@ -21469,19 +21477,7 @@
               <a:rPr lang="en-GB" sz="2000" dirty="0" smtClean="0">
                 <a:latin typeface="Muli Black" panose="00000A00000000000000" pitchFamily="2" charset="0"/>
               </a:rPr>
-              <a:t> model not ready for such </a:t>
-            </a:r>
-            <a:r>
-              <a:rPr lang="en-GB" sz="2000" dirty="0" smtClean="0">
-                <a:latin typeface="Muli Black" panose="00000A00000000000000" pitchFamily="2" charset="0"/>
-              </a:rPr>
-              <a:t>a cross </a:t>
-            </a:r>
-            <a:r>
-              <a:rPr lang="en-GB" sz="2000" dirty="0" smtClean="0">
-                <a:latin typeface="Muli Black" panose="00000A00000000000000" pitchFamily="2" charset="0"/>
-              </a:rPr>
-              <a:t>community use case (the UC has been transferred to the EOSC Architecture WG).</a:t>
+              <a:t> model not ready for such a cross community use case (the UC has been transferred to the EOSC Architecture WG).</a:t>
             </a:r>
           </a:p>
           <a:p>
@@ -22063,9 +22059,6 @@
                     <p:cTn id="3" fill="hold">
                       <p:stCondLst>
                         <p:cond delay="indefinite"/>
-                        <p:cond evt="onBegin" delay="0">
-                          <p:tn val="2"/>
-                        </p:cond>
                       </p:stCondLst>
                       <p:childTnLst>
                         <p:par>
@@ -22075,7 +22068,7 @@
                             </p:stCondLst>
                             <p:childTnLst>
                               <p:par>
-                                <p:cTn id="5" presetID="1" presetClass="entr" presetSubtype="0" fill="hold" grpId="0" nodeType="withEffect">
+                                <p:cTn id="5" presetID="1" presetClass="exit" presetSubtype="0" fill="hold" nodeType="clickEffect">
                                   <p:stCondLst>
                                     <p:cond delay="0"/>
                                   </p:stCondLst>
@@ -22083,159 +22076,6 @@
                                     <p:set>
                                       <p:cBhvr>
                                         <p:cTn id="6" dur="1" fill="hold">
-                                          <p:stCondLst>
-                                            <p:cond delay="0"/>
-                                          </p:stCondLst>
-                                        </p:cTn>
-                                        <p:tgtEl>
-                                          <p:spTgt spid="10"/>
-                                        </p:tgtEl>
-                                        <p:attrNameLst>
-                                          <p:attrName>style.visibility</p:attrName>
-                                        </p:attrNameLst>
-                                      </p:cBhvr>
-                                      <p:to>
-                                        <p:strVal val="visible"/>
-                                      </p:to>
-                                    </p:set>
-                                  </p:childTnLst>
-                                </p:cTn>
-                              </p:par>
-                              <p:par>
-                                <p:cTn id="7" presetID="1" presetClass="entr" presetSubtype="0" fill="hold" nodeType="withEffect">
-                                  <p:stCondLst>
-                                    <p:cond delay="0"/>
-                                  </p:stCondLst>
-                                  <p:childTnLst>
-                                    <p:set>
-                                      <p:cBhvr>
-                                        <p:cTn id="8" dur="1" fill="hold">
-                                          <p:stCondLst>
-                                            <p:cond delay="0"/>
-                                          </p:stCondLst>
-                                        </p:cTn>
-                                        <p:tgtEl>
-                                          <p:spTgt spid="11"/>
-                                        </p:tgtEl>
-                                        <p:attrNameLst>
-                                          <p:attrName>style.visibility</p:attrName>
-                                        </p:attrNameLst>
-                                      </p:cBhvr>
-                                      <p:to>
-                                        <p:strVal val="visible"/>
-                                      </p:to>
-                                    </p:set>
-                                  </p:childTnLst>
-                                </p:cTn>
-                              </p:par>
-                              <p:par>
-                                <p:cTn id="9" presetID="1" presetClass="entr" presetSubtype="0" fill="hold" grpId="0" nodeType="withEffect">
-                                  <p:stCondLst>
-                                    <p:cond delay="0"/>
-                                  </p:stCondLst>
-                                  <p:childTnLst>
-                                    <p:set>
-                                      <p:cBhvr>
-                                        <p:cTn id="10" dur="1" fill="hold">
-                                          <p:stCondLst>
-                                            <p:cond delay="0"/>
-                                          </p:stCondLst>
-                                        </p:cTn>
-                                        <p:tgtEl>
-                                          <p:spTgt spid="8"/>
-                                        </p:tgtEl>
-                                        <p:attrNameLst>
-                                          <p:attrName>style.visibility</p:attrName>
-                                        </p:attrNameLst>
-                                      </p:cBhvr>
-                                      <p:to>
-                                        <p:strVal val="visible"/>
-                                      </p:to>
-                                    </p:set>
-                                  </p:childTnLst>
-                                </p:cTn>
-                              </p:par>
-                              <p:par>
-                                <p:cTn id="11" presetID="1" presetClass="entr" presetSubtype="0" fill="hold" grpId="0" nodeType="withEffect">
-                                  <p:stCondLst>
-                                    <p:cond delay="0"/>
-                                  </p:stCondLst>
-                                  <p:childTnLst>
-                                    <p:set>
-                                      <p:cBhvr>
-                                        <p:cTn id="12" dur="1" fill="hold">
-                                          <p:stCondLst>
-                                            <p:cond delay="0"/>
-                                          </p:stCondLst>
-                                        </p:cTn>
-                                        <p:tgtEl>
-                                          <p:spTgt spid="9"/>
-                                        </p:tgtEl>
-                                        <p:attrNameLst>
-                                          <p:attrName>style.visibility</p:attrName>
-                                        </p:attrNameLst>
-                                      </p:cBhvr>
-                                      <p:to>
-                                        <p:strVal val="visible"/>
-                                      </p:to>
-                                    </p:set>
-                                  </p:childTnLst>
-                                </p:cTn>
-                              </p:par>
-                              <p:par>
-                                <p:cTn id="13" presetID="1" presetClass="entr" presetSubtype="0" fill="hold" grpId="0" nodeType="withEffect">
-                                  <p:stCondLst>
-                                    <p:cond delay="0"/>
-                                  </p:stCondLst>
-                                  <p:childTnLst>
-                                    <p:set>
-                                      <p:cBhvr>
-                                        <p:cTn id="14" dur="1" fill="hold">
-                                          <p:stCondLst>
-                                            <p:cond delay="0"/>
-                                          </p:stCondLst>
-                                        </p:cTn>
-                                        <p:tgtEl>
-                                          <p:spTgt spid="7"/>
-                                        </p:tgtEl>
-                                        <p:attrNameLst>
-                                          <p:attrName>style.visibility</p:attrName>
-                                        </p:attrNameLst>
-                                      </p:cBhvr>
-                                      <p:to>
-                                        <p:strVal val="visible"/>
-                                      </p:to>
-                                    </p:set>
-                                  </p:childTnLst>
-                                </p:cTn>
-                              </p:par>
-                            </p:childTnLst>
-                          </p:cTn>
-                        </p:par>
-                      </p:childTnLst>
-                    </p:cTn>
-                  </p:par>
-                  <p:par>
-                    <p:cTn id="15" fill="hold">
-                      <p:stCondLst>
-                        <p:cond delay="indefinite"/>
-                      </p:stCondLst>
-                      <p:childTnLst>
-                        <p:par>
-                          <p:cTn id="16" fill="hold">
-                            <p:stCondLst>
-                              <p:cond delay="0"/>
-                            </p:stCondLst>
-                            <p:childTnLst>
-                              <p:par>
-                                <p:cTn id="17" presetID="1" presetClass="exit" presetSubtype="0" fill="hold" nodeType="clickEffect">
-                                  <p:stCondLst>
-                                    <p:cond delay="0"/>
-                                  </p:stCondLst>
-                                  <p:childTnLst>
-                                    <p:set>
-                                      <p:cBhvr>
-                                        <p:cTn id="18" dur="1" fill="hold">
                                           <p:stCondLst>
                                             <p:cond delay="0"/>
                                           </p:stCondLst>
@@ -22254,33 +22094,15 @@
                                   </p:childTnLst>
                                 </p:cTn>
                               </p:par>
-                            </p:childTnLst>
-                          </p:cTn>
-                        </p:par>
-                      </p:childTnLst>
-                    </p:cTn>
-                  </p:par>
-                  <p:par>
-                    <p:cTn id="19" fill="hold">
-                      <p:stCondLst>
-                        <p:cond delay="indefinite"/>
-                      </p:stCondLst>
-                      <p:childTnLst>
-                        <p:par>
-                          <p:cTn id="20" fill="hold">
-                            <p:stCondLst>
-                              <p:cond delay="0"/>
-                            </p:stCondLst>
-                            <p:childTnLst>
                               <p:par>
-                                <p:cTn id="21" presetID="1" presetClass="entr" presetSubtype="0" fill="hold" nodeType="clickEffect">
+                                <p:cTn id="7" presetID="1" presetClass="entr" presetSubtype="0" fill="hold" nodeType="withEffect">
                                   <p:stCondLst>
-                                    <p:cond delay="0"/>
+                                    <p:cond delay="500"/>
                                   </p:stCondLst>
                                   <p:childTnLst>
                                     <p:set>
                                       <p:cBhvr>
-                                        <p:cTn id="22" dur="1" fill="hold">
+                                        <p:cTn id="8" dur="1" fill="hold">
                                           <p:stCondLst>
                                             <p:cond delay="0"/>
                                           </p:stCondLst>
@@ -22326,12 +22148,6 @@
         </p:cTn>
       </p:par>
     </p:tnLst>
-    <p:bldLst>
-      <p:bldP spid="7" grpId="0" animBg="1"/>
-      <p:bldP spid="8" grpId="0" animBg="1"/>
-      <p:bldP spid="9" grpId="0" animBg="1"/>
-      <p:bldP spid="10" grpId="0" animBg="1"/>
-    </p:bldLst>
   </p:timing>
 </p:sld>
 </file>

--- a/Work Packages/WP9 Outreach and communication/Presentations/M18 Review Meeting/WP6 18th months review.pptx
+++ b/Work Packages/WP9 Outreach and communication/Presentations/M18 Review Meeting/WP6 18th months review.pptx
@@ -2125,7 +2125,23 @@
     </dgm:pt>
     <dgm:pt modelId="{C2A39945-1511-4D29-9F50-FCBB7C526EDF}" type="pres">
       <dgm:prSet presAssocID="{DF68C405-E55E-4D32-A371-18579F598018}" presName="parBigCircle" presStyleLbl="node0" presStyleIdx="0" presStyleCnt="4"/>
-      <dgm:spPr/>
+      <dgm:spPr>
+        <a:solidFill>
+          <a:srgbClr val="5F689D"/>
+        </a:solidFill>
+        <a:ln>
+          <a:solidFill>
+            <a:srgbClr val="5F689D"/>
+          </a:solidFill>
+        </a:ln>
+      </dgm:spPr>
+      <dgm:t>
+        <a:bodyPr/>
+        <a:lstStyle/>
+        <a:p>
+          <a:endParaRPr lang="fr-FR"/>
+        </a:p>
+      </dgm:t>
     </dgm:pt>
     <dgm:pt modelId="{A4566E85-5C12-4879-97CA-FF417C8556C8}" type="pres">
       <dgm:prSet presAssocID="{DF68C405-E55E-4D32-A371-18579F598018}" presName="parTx" presStyleLbl="revTx" presStyleIdx="0" presStyleCnt="18"/>
@@ -2160,7 +2176,23 @@
     </dgm:pt>
     <dgm:pt modelId="{141FA1CF-18AA-4902-8199-D37D6D099982}" type="pres">
       <dgm:prSet presAssocID="{493A47BD-5C43-45F1-96D9-E88D7DD656CC}" presName="desCircle" presStyleLbl="node1" presStyleIdx="0" presStyleCnt="7"/>
-      <dgm:spPr/>
+      <dgm:spPr>
+        <a:solidFill>
+          <a:srgbClr val="5F689D"/>
+        </a:solidFill>
+        <a:ln>
+          <a:solidFill>
+            <a:srgbClr val="5F689D"/>
+          </a:solidFill>
+        </a:ln>
+      </dgm:spPr>
+      <dgm:t>
+        <a:bodyPr/>
+        <a:lstStyle/>
+        <a:p>
+          <a:endParaRPr lang="fr-FR"/>
+        </a:p>
+      </dgm:t>
     </dgm:pt>
     <dgm:pt modelId="{37DAD2B7-9154-4102-BA37-3EC1E4938161}" type="pres">
       <dgm:prSet presAssocID="{493A47BD-5C43-45F1-96D9-E88D7DD656CC}" presName="chTx" presStyleLbl="revTx" presStyleIdx="1" presStyleCnt="18"/>
@@ -2199,7 +2231,23 @@
     </dgm:pt>
     <dgm:pt modelId="{238D456E-0931-4760-BA29-5AA8067AF2EB}" type="pres">
       <dgm:prSet presAssocID="{B6538169-4B6B-4D21-A5D5-C78B926F5E7E}" presName="desCircle" presStyleLbl="node1" presStyleIdx="1" presStyleCnt="7"/>
-      <dgm:spPr/>
+      <dgm:spPr>
+        <a:solidFill>
+          <a:srgbClr val="5F689D"/>
+        </a:solidFill>
+        <a:ln>
+          <a:solidFill>
+            <a:srgbClr val="5F689D"/>
+          </a:solidFill>
+        </a:ln>
+      </dgm:spPr>
+      <dgm:t>
+        <a:bodyPr/>
+        <a:lstStyle/>
+        <a:p>
+          <a:endParaRPr lang="fr-FR"/>
+        </a:p>
+      </dgm:t>
     </dgm:pt>
     <dgm:pt modelId="{ED86B998-6ED8-436F-89DA-234D67BADEA0}" type="pres">
       <dgm:prSet presAssocID="{B6538169-4B6B-4D21-A5D5-C78B926F5E7E}" presName="chTx" presStyleLbl="revTx" presStyleIdx="3" presStyleCnt="18"/>
@@ -2234,7 +2282,23 @@
     </dgm:pt>
     <dgm:pt modelId="{BD7410FD-46A1-4614-BD5C-DEB486B714D5}" type="pres">
       <dgm:prSet presAssocID="{576BA7F9-FB47-410B-AA50-6534CBF92764}" presName="parBigCircle" presStyleLbl="node0" presStyleIdx="1" presStyleCnt="4"/>
-      <dgm:spPr/>
+      <dgm:spPr>
+        <a:solidFill>
+          <a:srgbClr val="5F689D"/>
+        </a:solidFill>
+        <a:ln>
+          <a:solidFill>
+            <a:srgbClr val="5F689D"/>
+          </a:solidFill>
+        </a:ln>
+      </dgm:spPr>
+      <dgm:t>
+        <a:bodyPr/>
+        <a:lstStyle/>
+        <a:p>
+          <a:endParaRPr lang="fr-FR"/>
+        </a:p>
+      </dgm:t>
     </dgm:pt>
     <dgm:pt modelId="{1EDD123A-B748-4EE6-ABB8-448D0415DE86}" type="pres">
       <dgm:prSet presAssocID="{576BA7F9-FB47-410B-AA50-6534CBF92764}" presName="parTx" presStyleLbl="revTx" presStyleIdx="5" presStyleCnt="18"/>
@@ -2269,7 +2333,23 @@
     </dgm:pt>
     <dgm:pt modelId="{EC2D8A8B-03CE-4B27-9215-FD3A4656FA5E}" type="pres">
       <dgm:prSet presAssocID="{35B5802F-DC12-487F-9CAE-F4D5853F98C2}" presName="desCircle" presStyleLbl="node1" presStyleIdx="2" presStyleCnt="7"/>
-      <dgm:spPr/>
+      <dgm:spPr>
+        <a:solidFill>
+          <a:srgbClr val="5F689D"/>
+        </a:solidFill>
+        <a:ln>
+          <a:solidFill>
+            <a:srgbClr val="5F689D"/>
+          </a:solidFill>
+        </a:ln>
+      </dgm:spPr>
+      <dgm:t>
+        <a:bodyPr/>
+        <a:lstStyle/>
+        <a:p>
+          <a:endParaRPr lang="fr-FR"/>
+        </a:p>
+      </dgm:t>
     </dgm:pt>
     <dgm:pt modelId="{6B525007-6B09-4432-8D59-D850070646AE}" type="pres">
       <dgm:prSet presAssocID="{35B5802F-DC12-487F-9CAE-F4D5853F98C2}" presName="chTx" presStyleLbl="revTx" presStyleIdx="6" presStyleCnt="18"/>
@@ -2304,7 +2384,23 @@
     </dgm:pt>
     <dgm:pt modelId="{0EC7415A-9C54-4205-AFF1-C84C7D779DE6}" type="pres">
       <dgm:prSet presAssocID="{525849CB-03E7-4DAC-83CA-EFCE8C3847F8}" presName="parBigCircle" presStyleLbl="node0" presStyleIdx="2" presStyleCnt="4"/>
-      <dgm:spPr/>
+      <dgm:spPr>
+        <a:solidFill>
+          <a:srgbClr val="5F689D"/>
+        </a:solidFill>
+        <a:ln>
+          <a:solidFill>
+            <a:srgbClr val="5F689D"/>
+          </a:solidFill>
+        </a:ln>
+      </dgm:spPr>
+      <dgm:t>
+        <a:bodyPr/>
+        <a:lstStyle/>
+        <a:p>
+          <a:endParaRPr lang="fr-FR"/>
+        </a:p>
+      </dgm:t>
     </dgm:pt>
     <dgm:pt modelId="{77FAEA93-C66F-44FA-B9EA-2CA85DE370BA}" type="pres">
       <dgm:prSet presAssocID="{525849CB-03E7-4DAC-83CA-EFCE8C3847F8}" presName="parTx" presStyleLbl="revTx" presStyleIdx="8" presStyleCnt="18"/>
@@ -2339,7 +2435,23 @@
     </dgm:pt>
     <dgm:pt modelId="{0AF29444-7D66-4647-924C-298FDE21C709}" type="pres">
       <dgm:prSet presAssocID="{92732EF8-351A-4ED3-8F9A-006368363760}" presName="desCircle" presStyleLbl="node1" presStyleIdx="3" presStyleCnt="7"/>
-      <dgm:spPr/>
+      <dgm:spPr>
+        <a:solidFill>
+          <a:srgbClr val="5F689D"/>
+        </a:solidFill>
+        <a:ln>
+          <a:solidFill>
+            <a:srgbClr val="5F689D"/>
+          </a:solidFill>
+        </a:ln>
+      </dgm:spPr>
+      <dgm:t>
+        <a:bodyPr/>
+        <a:lstStyle/>
+        <a:p>
+          <a:endParaRPr lang="fr-FR"/>
+        </a:p>
+      </dgm:t>
     </dgm:pt>
     <dgm:pt modelId="{9F7CF078-56E8-4077-B026-40876FC3E345}" type="pres">
       <dgm:prSet presAssocID="{92732EF8-351A-4ED3-8F9A-006368363760}" presName="chTx" presStyleLbl="revTx" presStyleIdx="9" presStyleCnt="18"/>
@@ -2378,7 +2490,23 @@
     </dgm:pt>
     <dgm:pt modelId="{A4198127-8B8D-420B-A48F-6DCB0C629B71}" type="pres">
       <dgm:prSet presAssocID="{31F3B3C5-B421-4954-AB2B-A431F0E3A3D4}" presName="desCircle" presStyleLbl="node1" presStyleIdx="4" presStyleCnt="7"/>
-      <dgm:spPr/>
+      <dgm:spPr>
+        <a:solidFill>
+          <a:srgbClr val="5F689D"/>
+        </a:solidFill>
+        <a:ln>
+          <a:solidFill>
+            <a:srgbClr val="5F689D"/>
+          </a:solidFill>
+        </a:ln>
+      </dgm:spPr>
+      <dgm:t>
+        <a:bodyPr/>
+        <a:lstStyle/>
+        <a:p>
+          <a:endParaRPr lang="fr-FR"/>
+        </a:p>
+      </dgm:t>
     </dgm:pt>
     <dgm:pt modelId="{FBE94CE1-B03C-460F-AEDE-1848B22C7D2E}" type="pres">
       <dgm:prSet presAssocID="{31F3B3C5-B421-4954-AB2B-A431F0E3A3D4}" presName="chTx" presStyleLbl="revTx" presStyleIdx="11" presStyleCnt="18"/>
@@ -2413,7 +2541,23 @@
     </dgm:pt>
     <dgm:pt modelId="{BD7E16CA-044D-458F-986A-9BFB2A514DFA}" type="pres">
       <dgm:prSet presAssocID="{C9C5F1C0-DA21-4835-A23B-CEE906B81F01}" presName="parBigCircle" presStyleLbl="node0" presStyleIdx="3" presStyleCnt="4"/>
-      <dgm:spPr/>
+      <dgm:spPr>
+        <a:solidFill>
+          <a:srgbClr val="5F689D"/>
+        </a:solidFill>
+        <a:ln>
+          <a:solidFill>
+            <a:srgbClr val="5F689D"/>
+          </a:solidFill>
+        </a:ln>
+      </dgm:spPr>
+      <dgm:t>
+        <a:bodyPr/>
+        <a:lstStyle/>
+        <a:p>
+          <a:endParaRPr lang="fr-FR"/>
+        </a:p>
+      </dgm:t>
     </dgm:pt>
     <dgm:pt modelId="{B7E850B7-EB30-4605-A725-C9F2AE9CC9C5}" type="pres">
       <dgm:prSet presAssocID="{C9C5F1C0-DA21-4835-A23B-CEE906B81F01}" presName="parTx" presStyleLbl="revTx" presStyleIdx="13" presStyleCnt="18"/>
@@ -2448,7 +2592,23 @@
     </dgm:pt>
     <dgm:pt modelId="{9E3CB5BC-F27F-47B0-81F6-597674649CDA}" type="pres">
       <dgm:prSet presAssocID="{759A3FF3-4EBC-42E5-A62C-3E9B54E050A9}" presName="desCircle" presStyleLbl="node1" presStyleIdx="5" presStyleCnt="7"/>
-      <dgm:spPr/>
+      <dgm:spPr>
+        <a:solidFill>
+          <a:srgbClr val="5F689D"/>
+        </a:solidFill>
+        <a:ln>
+          <a:solidFill>
+            <a:srgbClr val="5F689D"/>
+          </a:solidFill>
+        </a:ln>
+      </dgm:spPr>
+      <dgm:t>
+        <a:bodyPr/>
+        <a:lstStyle/>
+        <a:p>
+          <a:endParaRPr lang="fr-FR"/>
+        </a:p>
+      </dgm:t>
     </dgm:pt>
     <dgm:pt modelId="{833414C3-0BCE-429E-A9F3-9CE4F81F3373}" type="pres">
       <dgm:prSet presAssocID="{759A3FF3-4EBC-42E5-A62C-3E9B54E050A9}" presName="chTx" presStyleLbl="revTx" presStyleIdx="14" presStyleCnt="18"/>
@@ -2487,7 +2647,23 @@
     </dgm:pt>
     <dgm:pt modelId="{96718D48-EE13-410E-975C-5DD9DACF456D}" type="pres">
       <dgm:prSet presAssocID="{64465238-E417-4BB2-BEF7-C2DA819B0458}" presName="desCircle" presStyleLbl="node1" presStyleIdx="6" presStyleCnt="7"/>
-      <dgm:spPr/>
+      <dgm:spPr>
+        <a:solidFill>
+          <a:srgbClr val="5F689D"/>
+        </a:solidFill>
+        <a:ln>
+          <a:solidFill>
+            <a:srgbClr val="5F689D"/>
+          </a:solidFill>
+        </a:ln>
+      </dgm:spPr>
+      <dgm:t>
+        <a:bodyPr/>
+        <a:lstStyle/>
+        <a:p>
+          <a:endParaRPr lang="fr-FR"/>
+        </a:p>
+      </dgm:t>
     </dgm:pt>
     <dgm:pt modelId="{DA099E39-E0F6-4EB0-9A03-1A3738459FF3}" type="pres">
       <dgm:prSet presAssocID="{64465238-E417-4BB2-BEF7-C2DA819B0458}" presName="chTx" presStyleLbl="revTx" presStyleIdx="16" presStyleCnt="18"/>
@@ -2992,7 +3168,18 @@
     </dgm:pt>
     <dgm:pt modelId="{EA65E23C-7EE5-4AD8-B7FB-36574F344FCA}" type="pres">
       <dgm:prSet presAssocID="{59F60507-527B-4DA8-BE96-A77943885BC5}" presName="parBigCircle" presStyleLbl="node0" presStyleIdx="0" presStyleCnt="4"/>
-      <dgm:spPr/>
+      <dgm:spPr>
+        <a:solidFill>
+          <a:srgbClr val="A74569"/>
+        </a:solidFill>
+      </dgm:spPr>
+      <dgm:t>
+        <a:bodyPr/>
+        <a:lstStyle/>
+        <a:p>
+          <a:endParaRPr lang="fr-FR"/>
+        </a:p>
+      </dgm:t>
     </dgm:pt>
     <dgm:pt modelId="{FA9470A5-CA9C-41C5-A49B-D4FABB879361}" type="pres">
       <dgm:prSet presAssocID="{59F60507-527B-4DA8-BE96-A77943885BC5}" presName="parTx" presStyleLbl="revTx" presStyleIdx="0" presStyleCnt="12"/>
@@ -3027,7 +3214,18 @@
     </dgm:pt>
     <dgm:pt modelId="{A1EC346F-5AC8-46EA-9716-83AFB6D7F16D}" type="pres">
       <dgm:prSet presAssocID="{B04A8746-34A8-48D8-B611-E48890885464}" presName="desCircle" presStyleLbl="node1" presStyleIdx="0" presStyleCnt="4"/>
-      <dgm:spPr/>
+      <dgm:spPr>
+        <a:solidFill>
+          <a:srgbClr val="A74569"/>
+        </a:solidFill>
+      </dgm:spPr>
+      <dgm:t>
+        <a:bodyPr/>
+        <a:lstStyle/>
+        <a:p>
+          <a:endParaRPr lang="fr-FR"/>
+        </a:p>
+      </dgm:t>
     </dgm:pt>
     <dgm:pt modelId="{3FB0F7AE-599C-46CF-BD88-7111E1948358}" type="pres">
       <dgm:prSet presAssocID="{B04A8746-34A8-48D8-B611-E48890885464}" presName="chTx" presStyleLbl="revTx" presStyleIdx="1" presStyleCnt="12"/>
@@ -3066,7 +3264,18 @@
     </dgm:pt>
     <dgm:pt modelId="{0930408B-80BF-49E8-BDCF-9ADFD6E7BC58}" type="pres">
       <dgm:prSet presAssocID="{E8C6BDCB-54A8-42E0-B092-00296AAE2302}" presName="desCircle" presStyleLbl="node1" presStyleIdx="1" presStyleCnt="4"/>
-      <dgm:spPr/>
+      <dgm:spPr>
+        <a:solidFill>
+          <a:srgbClr val="A74569"/>
+        </a:solidFill>
+      </dgm:spPr>
+      <dgm:t>
+        <a:bodyPr/>
+        <a:lstStyle/>
+        <a:p>
+          <a:endParaRPr lang="fr-FR"/>
+        </a:p>
+      </dgm:t>
     </dgm:pt>
     <dgm:pt modelId="{869B4569-005D-435B-8C89-668111C5B073}" type="pres">
       <dgm:prSet presAssocID="{E8C6BDCB-54A8-42E0-B092-00296AAE2302}" presName="chTx" presStyleLbl="revTx" presStyleIdx="3" presStyleCnt="12"/>
@@ -3101,7 +3310,18 @@
     </dgm:pt>
     <dgm:pt modelId="{BA6903E4-F439-4899-9EA4-EE6D6988AF09}" type="pres">
       <dgm:prSet presAssocID="{8027768C-A866-4554-AA3B-64DAC995B184}" presName="parBigCircle" presStyleLbl="node0" presStyleIdx="1" presStyleCnt="4"/>
-      <dgm:spPr/>
+      <dgm:spPr>
+        <a:solidFill>
+          <a:srgbClr val="A74569"/>
+        </a:solidFill>
+      </dgm:spPr>
+      <dgm:t>
+        <a:bodyPr/>
+        <a:lstStyle/>
+        <a:p>
+          <a:endParaRPr lang="fr-FR"/>
+        </a:p>
+      </dgm:t>
     </dgm:pt>
     <dgm:pt modelId="{2A54D99A-0B96-4930-B89A-EF932FDF0FA0}" type="pres">
       <dgm:prSet presAssocID="{8027768C-A866-4554-AA3B-64DAC995B184}" presName="parTx" presStyleLbl="revTx" presStyleIdx="5" presStyleCnt="12"/>
@@ -3136,7 +3356,18 @@
     </dgm:pt>
     <dgm:pt modelId="{D91865BA-FF96-4EDB-93FC-A844EC2EC64F}" type="pres">
       <dgm:prSet presAssocID="{A1790916-DDFD-465F-80A7-82E47C9DCABC}" presName="desCircle" presStyleLbl="node1" presStyleIdx="2" presStyleCnt="4"/>
-      <dgm:spPr/>
+      <dgm:spPr>
+        <a:solidFill>
+          <a:srgbClr val="A74569"/>
+        </a:solidFill>
+      </dgm:spPr>
+      <dgm:t>
+        <a:bodyPr/>
+        <a:lstStyle/>
+        <a:p>
+          <a:endParaRPr lang="fr-FR"/>
+        </a:p>
+      </dgm:t>
     </dgm:pt>
     <dgm:pt modelId="{D1845CCD-C167-49C8-9792-0D1394C696E8}" type="pres">
       <dgm:prSet presAssocID="{A1790916-DDFD-465F-80A7-82E47C9DCABC}" presName="chTx" presStyleLbl="revTx" presStyleIdx="6" presStyleCnt="12"/>
@@ -3175,7 +3406,18 @@
     </dgm:pt>
     <dgm:pt modelId="{D12CAB53-DC30-48E9-AE38-6E514ABBEDDC}" type="pres">
       <dgm:prSet presAssocID="{127E356B-C715-4A87-86F0-C8B76730AE40}" presName="desCircle" presStyleLbl="node1" presStyleIdx="3" presStyleCnt="4"/>
-      <dgm:spPr/>
+      <dgm:spPr>
+        <a:solidFill>
+          <a:srgbClr val="A74569"/>
+        </a:solidFill>
+      </dgm:spPr>
+      <dgm:t>
+        <a:bodyPr/>
+        <a:lstStyle/>
+        <a:p>
+          <a:endParaRPr lang="fr-FR"/>
+        </a:p>
+      </dgm:t>
     </dgm:pt>
     <dgm:pt modelId="{5010A113-7CBC-4145-A080-242296ADE947}" type="pres">
       <dgm:prSet presAssocID="{127E356B-C715-4A87-86F0-C8B76730AE40}" presName="chTx" presStyleLbl="revTx" presStyleIdx="8" presStyleCnt="12"/>
@@ -3210,7 +3452,18 @@
     </dgm:pt>
     <dgm:pt modelId="{0B762F84-4FA4-4001-8D07-FE4B39FC7CFC}" type="pres">
       <dgm:prSet presAssocID="{548F5BB2-30F0-4EE5-87A4-F7800130E697}" presName="parBigCircle" presStyleLbl="node0" presStyleIdx="2" presStyleCnt="4"/>
-      <dgm:spPr/>
+      <dgm:spPr>
+        <a:solidFill>
+          <a:srgbClr val="A74569"/>
+        </a:solidFill>
+      </dgm:spPr>
+      <dgm:t>
+        <a:bodyPr/>
+        <a:lstStyle/>
+        <a:p>
+          <a:endParaRPr lang="fr-FR"/>
+        </a:p>
+      </dgm:t>
     </dgm:pt>
     <dgm:pt modelId="{13DD34E1-FB99-4893-9754-99870ED337AF}" type="pres">
       <dgm:prSet presAssocID="{548F5BB2-30F0-4EE5-87A4-F7800130E697}" presName="parTx" presStyleLbl="revTx" presStyleIdx="10" presStyleCnt="12"/>
@@ -3241,7 +3494,18 @@
     </dgm:pt>
     <dgm:pt modelId="{86CA77DB-A7AD-4533-A982-0A7CC4432080}" type="pres">
       <dgm:prSet presAssocID="{A7931A2C-6AC7-455C-ADCA-543E5C68DDF8}" presName="parBigCircle" presStyleLbl="node0" presStyleIdx="3" presStyleCnt="4"/>
-      <dgm:spPr/>
+      <dgm:spPr>
+        <a:solidFill>
+          <a:srgbClr val="A74569"/>
+        </a:solidFill>
+      </dgm:spPr>
+      <dgm:t>
+        <a:bodyPr/>
+        <a:lstStyle/>
+        <a:p>
+          <a:endParaRPr lang="fr-FR"/>
+        </a:p>
+      </dgm:t>
     </dgm:pt>
     <dgm:pt modelId="{E472F445-57E4-44E0-96E2-3A1FACD98E8D}" type="pres">
       <dgm:prSet presAssocID="{A7931A2C-6AC7-455C-ADCA-543E5C68DDF8}" presName="parTx" presStyleLbl="revTx" presStyleIdx="11" presStyleCnt="12"/>
@@ -3372,21 +3636,11 @@
           </a:avLst>
         </a:prstGeom>
         <a:solidFill>
-          <a:schemeClr val="accent1">
-            <a:hueOff val="0"/>
-            <a:satOff val="0"/>
-            <a:lumOff val="0"/>
-            <a:alphaOff val="0"/>
-          </a:schemeClr>
+          <a:srgbClr val="5F689D"/>
         </a:solidFill>
         <a:ln w="25400" cap="flat" cmpd="sng" algn="ctr">
           <a:solidFill>
-            <a:schemeClr val="lt1">
-              <a:hueOff val="0"/>
-              <a:satOff val="0"/>
-              <a:lumOff val="0"/>
-              <a:alphaOff val="0"/>
-            </a:schemeClr>
+            <a:srgbClr val="5F689D"/>
           </a:solidFill>
           <a:prstDash val="solid"/>
         </a:ln>
@@ -3481,21 +3735,11 @@
           <a:avLst/>
         </a:prstGeom>
         <a:solidFill>
-          <a:schemeClr val="accent1">
-            <a:hueOff val="0"/>
-            <a:satOff val="0"/>
-            <a:lumOff val="0"/>
-            <a:alphaOff val="0"/>
-          </a:schemeClr>
+          <a:srgbClr val="5F689D"/>
         </a:solidFill>
         <a:ln w="25400" cap="flat" cmpd="sng" algn="ctr">
           <a:solidFill>
-            <a:schemeClr val="lt1">
-              <a:hueOff val="0"/>
-              <a:satOff val="0"/>
-              <a:lumOff val="0"/>
-              <a:alphaOff val="0"/>
-            </a:schemeClr>
+            <a:srgbClr val="5F689D"/>
           </a:solidFill>
           <a:prstDash val="solid"/>
         </a:ln>
@@ -3622,21 +3866,11 @@
           <a:avLst/>
         </a:prstGeom>
         <a:solidFill>
-          <a:schemeClr val="accent1">
-            <a:hueOff val="0"/>
-            <a:satOff val="0"/>
-            <a:lumOff val="0"/>
-            <a:alphaOff val="0"/>
-          </a:schemeClr>
+          <a:srgbClr val="5F689D"/>
         </a:solidFill>
         <a:ln w="25400" cap="flat" cmpd="sng" algn="ctr">
           <a:solidFill>
-            <a:schemeClr val="lt1">
-              <a:hueOff val="0"/>
-              <a:satOff val="0"/>
-              <a:lumOff val="0"/>
-              <a:alphaOff val="0"/>
-            </a:schemeClr>
+            <a:srgbClr val="5F689D"/>
           </a:solidFill>
           <a:prstDash val="solid"/>
         </a:ln>
@@ -3765,21 +3999,11 @@
           </a:avLst>
         </a:prstGeom>
         <a:solidFill>
-          <a:schemeClr val="accent1">
-            <a:hueOff val="0"/>
-            <a:satOff val="0"/>
-            <a:lumOff val="0"/>
-            <a:alphaOff val="0"/>
-          </a:schemeClr>
+          <a:srgbClr val="5F689D"/>
         </a:solidFill>
         <a:ln w="25400" cap="flat" cmpd="sng" algn="ctr">
           <a:solidFill>
-            <a:schemeClr val="lt1">
-              <a:hueOff val="0"/>
-              <a:satOff val="0"/>
-              <a:lumOff val="0"/>
-              <a:alphaOff val="0"/>
-            </a:schemeClr>
+            <a:srgbClr val="5F689D"/>
           </a:solidFill>
           <a:prstDash val="solid"/>
         </a:ln>
@@ -3874,21 +4098,11 @@
           <a:avLst/>
         </a:prstGeom>
         <a:solidFill>
-          <a:schemeClr val="accent1">
-            <a:hueOff val="0"/>
-            <a:satOff val="0"/>
-            <a:lumOff val="0"/>
-            <a:alphaOff val="0"/>
-          </a:schemeClr>
+          <a:srgbClr val="5F689D"/>
         </a:solidFill>
         <a:ln w="25400" cap="flat" cmpd="sng" algn="ctr">
           <a:solidFill>
-            <a:schemeClr val="lt1">
-              <a:hueOff val="0"/>
-              <a:satOff val="0"/>
-              <a:lumOff val="0"/>
-              <a:alphaOff val="0"/>
-            </a:schemeClr>
+            <a:srgbClr val="5F689D"/>
           </a:solidFill>
           <a:prstDash val="solid"/>
         </a:ln>
@@ -4025,21 +4239,11 @@
           </a:avLst>
         </a:prstGeom>
         <a:solidFill>
-          <a:schemeClr val="accent1">
-            <a:hueOff val="0"/>
-            <a:satOff val="0"/>
-            <a:lumOff val="0"/>
-            <a:alphaOff val="0"/>
-          </a:schemeClr>
+          <a:srgbClr val="5F689D"/>
         </a:solidFill>
         <a:ln w="25400" cap="flat" cmpd="sng" algn="ctr">
           <a:solidFill>
-            <a:schemeClr val="lt1">
-              <a:hueOff val="0"/>
-              <a:satOff val="0"/>
-              <a:lumOff val="0"/>
-              <a:alphaOff val="0"/>
-            </a:schemeClr>
+            <a:srgbClr val="5F689D"/>
           </a:solidFill>
           <a:prstDash val="solid"/>
         </a:ln>
@@ -4134,21 +4338,11 @@
           <a:avLst/>
         </a:prstGeom>
         <a:solidFill>
-          <a:schemeClr val="accent1">
-            <a:hueOff val="0"/>
-            <a:satOff val="0"/>
-            <a:lumOff val="0"/>
-            <a:alphaOff val="0"/>
-          </a:schemeClr>
+          <a:srgbClr val="5F689D"/>
         </a:solidFill>
         <a:ln w="25400" cap="flat" cmpd="sng" algn="ctr">
           <a:solidFill>
-            <a:schemeClr val="lt1">
-              <a:hueOff val="0"/>
-              <a:satOff val="0"/>
-              <a:lumOff val="0"/>
-              <a:alphaOff val="0"/>
-            </a:schemeClr>
+            <a:srgbClr val="5F689D"/>
           </a:solidFill>
           <a:prstDash val="solid"/>
         </a:ln>
@@ -4283,21 +4477,11 @@
           <a:avLst/>
         </a:prstGeom>
         <a:solidFill>
-          <a:schemeClr val="accent1">
-            <a:hueOff val="0"/>
-            <a:satOff val="0"/>
-            <a:lumOff val="0"/>
-            <a:alphaOff val="0"/>
-          </a:schemeClr>
+          <a:srgbClr val="5F689D"/>
         </a:solidFill>
         <a:ln w="25400" cap="flat" cmpd="sng" algn="ctr">
           <a:solidFill>
-            <a:schemeClr val="lt1">
-              <a:hueOff val="0"/>
-              <a:satOff val="0"/>
-              <a:lumOff val="0"/>
-              <a:alphaOff val="0"/>
-            </a:schemeClr>
+            <a:srgbClr val="5F689D"/>
           </a:solidFill>
           <a:prstDash val="solid"/>
         </a:ln>
@@ -4426,21 +4610,11 @@
           </a:avLst>
         </a:prstGeom>
         <a:solidFill>
-          <a:schemeClr val="accent1">
-            <a:hueOff val="0"/>
-            <a:satOff val="0"/>
-            <a:lumOff val="0"/>
-            <a:alphaOff val="0"/>
-          </a:schemeClr>
+          <a:srgbClr val="5F689D"/>
         </a:solidFill>
         <a:ln w="25400" cap="flat" cmpd="sng" algn="ctr">
           <a:solidFill>
-            <a:schemeClr val="lt1">
-              <a:hueOff val="0"/>
-              <a:satOff val="0"/>
-              <a:lumOff val="0"/>
-              <a:alphaOff val="0"/>
-            </a:schemeClr>
+            <a:srgbClr val="5F689D"/>
           </a:solidFill>
           <a:prstDash val="solid"/>
         </a:ln>
@@ -4535,21 +4709,11 @@
           <a:avLst/>
         </a:prstGeom>
         <a:solidFill>
-          <a:schemeClr val="accent1">
-            <a:hueOff val="0"/>
-            <a:satOff val="0"/>
-            <a:lumOff val="0"/>
-            <a:alphaOff val="0"/>
-          </a:schemeClr>
+          <a:srgbClr val="5F689D"/>
         </a:solidFill>
         <a:ln w="25400" cap="flat" cmpd="sng" algn="ctr">
           <a:solidFill>
-            <a:schemeClr val="lt1">
-              <a:hueOff val="0"/>
-              <a:satOff val="0"/>
-              <a:lumOff val="0"/>
-              <a:alphaOff val="0"/>
-            </a:schemeClr>
+            <a:srgbClr val="5F689D"/>
           </a:solidFill>
           <a:prstDash val="solid"/>
         </a:ln>
@@ -4677,21 +4841,11 @@
           <a:avLst/>
         </a:prstGeom>
         <a:solidFill>
-          <a:schemeClr val="accent1">
-            <a:hueOff val="0"/>
-            <a:satOff val="0"/>
-            <a:lumOff val="0"/>
-            <a:alphaOff val="0"/>
-          </a:schemeClr>
+          <a:srgbClr val="5F689D"/>
         </a:solidFill>
         <a:ln w="25400" cap="flat" cmpd="sng" algn="ctr">
           <a:solidFill>
-            <a:schemeClr val="lt1">
-              <a:hueOff val="0"/>
-              <a:satOff val="0"/>
-              <a:lumOff val="0"/>
-              <a:alphaOff val="0"/>
-            </a:schemeClr>
+            <a:srgbClr val="5F689D"/>
           </a:solidFill>
           <a:prstDash val="solid"/>
         </a:ln>
@@ -4832,12 +4986,7 @@
           </a:avLst>
         </a:prstGeom>
         <a:solidFill>
-          <a:schemeClr val="accent3">
-            <a:hueOff val="0"/>
-            <a:satOff val="0"/>
-            <a:lumOff val="0"/>
-            <a:alphaOff val="0"/>
-          </a:schemeClr>
+          <a:srgbClr val="A74569"/>
         </a:solidFill>
         <a:ln w="25400" cap="flat" cmpd="sng" algn="ctr">
           <a:solidFill>
@@ -4941,12 +5090,7 @@
           <a:avLst/>
         </a:prstGeom>
         <a:solidFill>
-          <a:schemeClr val="accent3">
-            <a:hueOff val="0"/>
-            <a:satOff val="0"/>
-            <a:lumOff val="0"/>
-            <a:alphaOff val="0"/>
-          </a:schemeClr>
+          <a:srgbClr val="A74569"/>
         </a:solidFill>
         <a:ln w="25400" cap="flat" cmpd="sng" algn="ctr">
           <a:solidFill>
@@ -5082,12 +5226,7 @@
           <a:avLst/>
         </a:prstGeom>
         <a:solidFill>
-          <a:schemeClr val="accent3">
-            <a:hueOff val="0"/>
-            <a:satOff val="0"/>
-            <a:lumOff val="0"/>
-            <a:alphaOff val="0"/>
-          </a:schemeClr>
+          <a:srgbClr val="A74569"/>
         </a:solidFill>
         <a:ln w="25400" cap="flat" cmpd="sng" algn="ctr">
           <a:solidFill>
@@ -5225,12 +5364,7 @@
           </a:avLst>
         </a:prstGeom>
         <a:solidFill>
-          <a:schemeClr val="accent3">
-            <a:hueOff val="0"/>
-            <a:satOff val="0"/>
-            <a:lumOff val="0"/>
-            <a:alphaOff val="0"/>
-          </a:schemeClr>
+          <a:srgbClr val="A74569"/>
         </a:solidFill>
         <a:ln w="25400" cap="flat" cmpd="sng" algn="ctr">
           <a:solidFill>
@@ -5334,12 +5468,7 @@
           <a:avLst/>
         </a:prstGeom>
         <a:solidFill>
-          <a:schemeClr val="accent3">
-            <a:hueOff val="0"/>
-            <a:satOff val="0"/>
-            <a:lumOff val="0"/>
-            <a:alphaOff val="0"/>
-          </a:schemeClr>
+          <a:srgbClr val="A74569"/>
         </a:solidFill>
         <a:ln w="25400" cap="flat" cmpd="sng" algn="ctr">
           <a:solidFill>
@@ -5495,12 +5624,7 @@
           <a:avLst/>
         </a:prstGeom>
         <a:solidFill>
-          <a:schemeClr val="accent3">
-            <a:hueOff val="0"/>
-            <a:satOff val="0"/>
-            <a:lumOff val="0"/>
-            <a:alphaOff val="0"/>
-          </a:schemeClr>
+          <a:srgbClr val="A74569"/>
         </a:solidFill>
         <a:ln w="25400" cap="flat" cmpd="sng" algn="ctr">
           <a:solidFill>
@@ -5638,12 +5762,7 @@
           </a:avLst>
         </a:prstGeom>
         <a:solidFill>
-          <a:schemeClr val="accent3">
-            <a:hueOff val="0"/>
-            <a:satOff val="0"/>
-            <a:lumOff val="0"/>
-            <a:alphaOff val="0"/>
-          </a:schemeClr>
+          <a:srgbClr val="A74569"/>
         </a:solidFill>
         <a:ln w="25400" cap="flat" cmpd="sng" algn="ctr">
           <a:solidFill>
@@ -5749,12 +5868,7 @@
           </a:avLst>
         </a:prstGeom>
         <a:solidFill>
-          <a:schemeClr val="accent3">
-            <a:hueOff val="0"/>
-            <a:satOff val="0"/>
-            <a:lumOff val="0"/>
-            <a:alphaOff val="0"/>
-          </a:schemeClr>
+          <a:srgbClr val="A74569"/>
         </a:solidFill>
         <a:ln w="25400" cap="flat" cmpd="sng" algn="ctr">
           <a:solidFill>
@@ -9009,7 +9123,7 @@
                 <a:latin typeface="Muli"/>
               </a:rPr>
               <a:pPr/>
-              <a:t>6/15/2020</a:t>
+              <a:t>6/16/2020</a:t>
             </a:fld>
             <a:endParaRPr lang="en-US" dirty="0">
               <a:latin typeface="Muli"/>
@@ -9189,7 +9303,7 @@
             <a:fld id="{E6439749-5F7E-5648-9CD6-00744CE904A7}" type="datetimeFigureOut">
               <a:rPr lang="en-US" smtClean="0"/>
               <a:pPr/>
-              <a:t>6/15/2020</a:t>
+              <a:t>6/16/2020</a:t>
             </a:fld>
             <a:endParaRPr lang="it-IT" dirty="0"/>
           </a:p>
@@ -15689,134 +15803,6 @@
           </a:p>
         </p:txBody>
       </p:sp>
-      <p:sp>
-        <p:nvSpPr>
-          <p:cNvPr id="8" name="Espace réservé du numéro de diapositive 1"/>
-          <p:cNvSpPr txBox="1">
-            <a:spLocks/>
-          </p:cNvSpPr>
-          <p:nvPr>
-            <p:custDataLst>
-              <p:tags r:id="rId4"/>
-            </p:custDataLst>
-          </p:nvPr>
-        </p:nvSpPr>
-        <p:spPr>
-          <a:xfrm>
-            <a:off x="9347200" y="6492875"/>
-            <a:ext cx="2844800" cy="365125"/>
-          </a:xfrm>
-          <a:prstGeom prst="rect">
-            <a:avLst/>
-          </a:prstGeom>
-        </p:spPr>
-        <p:txBody>
-          <a:bodyPr vert="horz" lIns="91440" tIns="45720" rIns="91440" bIns="45720" rtlCol="0" anchor="ctr"/>
-          <a:lstStyle>
-            <a:defPPr>
-              <a:defRPr lang="it-IT"/>
-            </a:defPPr>
-            <a:lvl1pPr marL="0" algn="r" defTabSz="914400" rtl="0" eaLnBrk="1" latinLnBrk="0" hangingPunct="1">
-              <a:defRPr sz="1200" kern="1200">
-                <a:solidFill>
-                  <a:schemeClr val="tx1"/>
-                </a:solidFill>
-                <a:latin typeface="Muli Regular"/>
-                <a:ea typeface="+mn-ea"/>
-                <a:cs typeface="Muli Regular"/>
-              </a:defRPr>
-            </a:lvl1pPr>
-            <a:lvl2pPr marL="457200" algn="l" defTabSz="914400" rtl="0" eaLnBrk="1" latinLnBrk="0" hangingPunct="1">
-              <a:defRPr sz="1800" kern="1200">
-                <a:solidFill>
-                  <a:schemeClr val="tx1"/>
-                </a:solidFill>
-                <a:latin typeface="+mn-lt"/>
-                <a:ea typeface="+mn-ea"/>
-                <a:cs typeface="+mn-cs"/>
-              </a:defRPr>
-            </a:lvl2pPr>
-            <a:lvl3pPr marL="914400" algn="l" defTabSz="914400" rtl="0" eaLnBrk="1" latinLnBrk="0" hangingPunct="1">
-              <a:defRPr sz="1800" kern="1200">
-                <a:solidFill>
-                  <a:schemeClr val="tx1"/>
-                </a:solidFill>
-                <a:latin typeface="+mn-lt"/>
-                <a:ea typeface="+mn-ea"/>
-                <a:cs typeface="+mn-cs"/>
-              </a:defRPr>
-            </a:lvl3pPr>
-            <a:lvl4pPr marL="1371600" algn="l" defTabSz="914400" rtl="0" eaLnBrk="1" latinLnBrk="0" hangingPunct="1">
-              <a:defRPr sz="1800" kern="1200">
-                <a:solidFill>
-                  <a:schemeClr val="tx1"/>
-                </a:solidFill>
-                <a:latin typeface="+mn-lt"/>
-                <a:ea typeface="+mn-ea"/>
-                <a:cs typeface="+mn-cs"/>
-              </a:defRPr>
-            </a:lvl4pPr>
-            <a:lvl5pPr marL="1828800" algn="l" defTabSz="914400" rtl="0" eaLnBrk="1" latinLnBrk="0" hangingPunct="1">
-              <a:defRPr sz="1800" kern="1200">
-                <a:solidFill>
-                  <a:schemeClr val="tx1"/>
-                </a:solidFill>
-                <a:latin typeface="+mn-lt"/>
-                <a:ea typeface="+mn-ea"/>
-                <a:cs typeface="+mn-cs"/>
-              </a:defRPr>
-            </a:lvl5pPr>
-            <a:lvl6pPr marL="2286000" algn="l" defTabSz="914400" rtl="0" eaLnBrk="1" latinLnBrk="0" hangingPunct="1">
-              <a:defRPr sz="1800" kern="1200">
-                <a:solidFill>
-                  <a:schemeClr val="tx1"/>
-                </a:solidFill>
-                <a:latin typeface="+mn-lt"/>
-                <a:ea typeface="+mn-ea"/>
-                <a:cs typeface="+mn-cs"/>
-              </a:defRPr>
-            </a:lvl6pPr>
-            <a:lvl7pPr marL="2743200" algn="l" defTabSz="914400" rtl="0" eaLnBrk="1" latinLnBrk="0" hangingPunct="1">
-              <a:defRPr sz="1800" kern="1200">
-                <a:solidFill>
-                  <a:schemeClr val="tx1"/>
-                </a:solidFill>
-                <a:latin typeface="+mn-lt"/>
-                <a:ea typeface="+mn-ea"/>
-                <a:cs typeface="+mn-cs"/>
-              </a:defRPr>
-            </a:lvl7pPr>
-            <a:lvl8pPr marL="3200400" algn="l" defTabSz="914400" rtl="0" eaLnBrk="1" latinLnBrk="0" hangingPunct="1">
-              <a:defRPr sz="1800" kern="1200">
-                <a:solidFill>
-                  <a:schemeClr val="tx1"/>
-                </a:solidFill>
-                <a:latin typeface="+mn-lt"/>
-                <a:ea typeface="+mn-ea"/>
-                <a:cs typeface="+mn-cs"/>
-              </a:defRPr>
-            </a:lvl8pPr>
-            <a:lvl9pPr marL="3657600" algn="l" defTabSz="914400" rtl="0" eaLnBrk="1" latinLnBrk="0" hangingPunct="1">
-              <a:defRPr sz="1800" kern="1200">
-                <a:solidFill>
-                  <a:schemeClr val="tx1"/>
-                </a:solidFill>
-                <a:latin typeface="+mn-lt"/>
-                <a:ea typeface="+mn-ea"/>
-                <a:cs typeface="+mn-cs"/>
-              </a:defRPr>
-            </a:lvl9pPr>
-          </a:lstStyle>
-          <a:p>
-            <a:fld id="{CAC6784C-9DAB-514C-B4CE-D33C947A8EB6}" type="slidenum">
-              <a:rPr lang="en-US" smtClean="0"/>
-              <a:pPr/>
-              <a:t>10</a:t>
-            </a:fld>
-            <a:endParaRPr lang="en-US" dirty="0"/>
-          </a:p>
-        </p:txBody>
-      </p:sp>
     </p:spTree>
     <p:extLst>
       <p:ext uri="{BB962C8B-B14F-4D97-AF65-F5344CB8AC3E}">
@@ -16025,6 +16011,16 @@
           <a:prstGeom prst="rect">
             <a:avLst/>
           </a:prstGeom>
+          <a:ln>
+            <a:noFill/>
+          </a:ln>
+          <a:effectLst>
+            <a:outerShdw blurRad="292100" dist="139700" dir="2700000" algn="tl" rotWithShape="0">
+              <a:srgbClr val="333333">
+                <a:alpha val="65000"/>
+              </a:srgbClr>
+            </a:outerShdw>
+          </a:effectLst>
         </p:spPr>
       </p:pic>
     </p:spTree>
@@ -16279,7 +16275,7 @@
             </p:custDataLst>
             <p:extLst>
               <p:ext uri="{D42A27DB-BD31-4B8C-83A1-F6EECF244321}">
-                <p14:modId xmlns:p14="http://schemas.microsoft.com/office/powerpoint/2010/main" val="1786308059"/>
+                <p14:modId xmlns:p14="http://schemas.microsoft.com/office/powerpoint/2010/main" val="2123962322"/>
               </p:ext>
             </p:extLst>
           </p:nvPr>
@@ -16461,18 +16457,28 @@
                         <a:defRPr/>
                       </a:pPr>
                       <a:r>
-                        <a:rPr lang="fr-FR" dirty="0" err="1" smtClean="0">
+                        <a:rPr lang="fr-FR" sz="1800" kern="1200" dirty="0" smtClean="0">
+                          <a:solidFill>
+                            <a:schemeClr val="tx1"/>
+                          </a:solidFill>
                           <a:effectLst/>
-                          <a:latin typeface="+mj-lt"/>
+                          <a:latin typeface="+mn-lt"/>
+                          <a:ea typeface="+mn-ea"/>
+                          <a:cs typeface="+mn-cs"/>
+                        </a:rPr>
+                        <a:t>2019 </a:t>
+                      </a:r>
+                      <a:r>
+                        <a:rPr lang="fr-FR" sz="1800" kern="1200" dirty="0" err="1" smtClean="0">
+                          <a:solidFill>
+                            <a:schemeClr val="tx1"/>
+                          </a:solidFill>
+                          <a:effectLst/>
+                          <a:latin typeface="+mn-lt"/>
+                          <a:ea typeface="+mn-ea"/>
+                          <a:cs typeface="+mn-cs"/>
                         </a:rPr>
                         <a:t>Nov</a:t>
-                      </a:r>
-                      <a:r>
-                        <a:rPr lang="fr-FR" dirty="0" smtClean="0">
-                          <a:effectLst/>
-                          <a:latin typeface="+mj-lt"/>
-                        </a:rPr>
-                        <a:t> 2019</a:t>
                       </a:r>
                       <a:endParaRPr lang="fr-FR" dirty="0">
                         <a:effectLst/>
@@ -16533,7 +16539,7 @@
                           <a:effectLst/>
                           <a:latin typeface="+mj-lt"/>
                         </a:rPr>
-                        <a:t>May 2020</a:t>
+                        <a:t>2020 May </a:t>
                       </a:r>
                       <a:endParaRPr lang="fr-FR" dirty="0">
                         <a:effectLst/>
@@ -18210,7 +18216,7 @@
         <p:spPr>
           <a:xfrm>
             <a:off x="6727805" y="5330487"/>
-            <a:ext cx="3454792" cy="369332"/>
+            <a:ext cx="3650358" cy="369332"/>
           </a:xfrm>
           <a:prstGeom prst="rect">
             <a:avLst/>
@@ -18224,21 +18230,35 @@
           <a:p>
             <a:r>
               <a:rPr lang="en-US" dirty="0">
+                <a:solidFill>
+                  <a:srgbClr val="A74569"/>
+                </a:solidFill>
                 <a:hlinkClick r:id="rId11"/>
               </a:rPr>
               <a:t>https://</a:t>
             </a:r>
             <a:r>
               <a:rPr lang="en-US" dirty="0" smtClean="0">
+                <a:solidFill>
+                  <a:srgbClr val="A74569"/>
+                </a:solidFill>
                 <a:hlinkClick r:id="rId11"/>
               </a:rPr>
               <a:t>umbrellaid.org/what.html</a:t>
             </a:r>
             <a:r>
-              <a:rPr lang="en-US" dirty="0" smtClean="0"/>
+              <a:rPr lang="en-US" dirty="0" smtClean="0">
+                <a:solidFill>
+                  <a:srgbClr val="A74569"/>
+                </a:solidFill>
+              </a:rPr>
               <a:t> </a:t>
             </a:r>
-            <a:endParaRPr lang="en-US" dirty="0"/>
+            <a:endParaRPr lang="en-US" dirty="0">
+              <a:solidFill>
+                <a:srgbClr val="A74569"/>
+              </a:solidFill>
+            </a:endParaRPr>
           </a:p>
         </p:txBody>
       </p:sp>
@@ -18626,7 +18646,7 @@
             </p:custDataLst>
             <p:extLst>
               <p:ext uri="{D42A27DB-BD31-4B8C-83A1-F6EECF244321}">
-                <p14:modId xmlns:p14="http://schemas.microsoft.com/office/powerpoint/2010/main" val="4258371978"/>
+                <p14:modId xmlns:p14="http://schemas.microsoft.com/office/powerpoint/2010/main" val="3094684560"/>
               </p:ext>
             </p:extLst>
           </p:nvPr>
@@ -18695,7 +18715,7 @@
             </p:custDataLst>
             <p:extLst>
               <p:ext uri="{D42A27DB-BD31-4B8C-83A1-F6EECF244321}">
-                <p14:modId xmlns:p14="http://schemas.microsoft.com/office/powerpoint/2010/main" val="1075330450"/>
+                <p14:modId xmlns:p14="http://schemas.microsoft.com/office/powerpoint/2010/main" val="2844180032"/>
               </p:ext>
             </p:extLst>
           </p:nvPr>
@@ -19165,7 +19185,15 @@
           <a:p>
             <a:r>
               <a:rPr lang="en-GB" dirty="0" smtClean="0"/>
-              <a:t>Transfer data to ESOC data treatment services.</a:t>
+              <a:t>Transfer data to </a:t>
+            </a:r>
+            <a:r>
+              <a:rPr lang="en-GB" dirty="0" smtClean="0"/>
+              <a:t>EOSC </a:t>
+            </a:r>
+            <a:r>
+              <a:rPr lang="en-GB" dirty="0" smtClean="0"/>
+              <a:t>data treatment services.</a:t>
             </a:r>
           </a:p>
           <a:p>
@@ -21467,7 +21495,7 @@
               <a:t>EOSC </a:t>
             </a:r>
             <a:r>
-              <a:rPr lang="en-GB" dirty="0" smtClean="0">
+              <a:rPr lang="en-GB" sz="2000" dirty="0" smtClean="0">
                 <a:latin typeface="Muli Black" panose="00000A00000000000000" pitchFamily="2" charset="0"/>
                 <a:cs typeface="Times New Roman" panose="02020603050405020304" pitchFamily="18" charset="0"/>
               </a:rPr>
@@ -22544,7 +22572,7 @@
 
 <file path=ppt/tags/tag69.xml><?xml version="1.0" encoding="utf-8"?>
 <p:tagLst xmlns:a="http://schemas.openxmlformats.org/drawingml/2006/main" xmlns:r="http://schemas.openxmlformats.org/officeDocument/2006/relationships" xmlns:p="http://schemas.openxmlformats.org/presentationml/2006/main">
-  <p:tag name="NUM" val="4"/>
+  <p:tag name="NUM" val="1"/>
 </p:tagLst>
 </file>
 
@@ -22556,53 +22584,47 @@
 
 <file path=ppt/tags/tag70.xml><?xml version="1.0" encoding="utf-8"?>
 <p:tagLst xmlns:a="http://schemas.openxmlformats.org/drawingml/2006/main" xmlns:r="http://schemas.openxmlformats.org/officeDocument/2006/relationships" xmlns:p="http://schemas.openxmlformats.org/presentationml/2006/main">
-  <p:tag name="NUM" val="1"/>
+  <p:tag name="NUM" val="2"/>
 </p:tagLst>
 </file>
 
 <file path=ppt/tags/tag71.xml><?xml version="1.0" encoding="utf-8"?>
 <p:tagLst xmlns:a="http://schemas.openxmlformats.org/drawingml/2006/main" xmlns:r="http://schemas.openxmlformats.org/officeDocument/2006/relationships" xmlns:p="http://schemas.openxmlformats.org/presentationml/2006/main">
-  <p:tag name="NUM" val="2"/>
+  <p:tag name="NUM" val="3"/>
 </p:tagLst>
 </file>
 
 <file path=ppt/tags/tag72.xml><?xml version="1.0" encoding="utf-8"?>
 <p:tagLst xmlns:a="http://schemas.openxmlformats.org/drawingml/2006/main" xmlns:r="http://schemas.openxmlformats.org/officeDocument/2006/relationships" xmlns:p="http://schemas.openxmlformats.org/presentationml/2006/main">
-  <p:tag name="NUM" val="3"/>
+  <p:tag name="NUM" val="1"/>
 </p:tagLst>
 </file>
 
 <file path=ppt/tags/tag73.xml><?xml version="1.0" encoding="utf-8"?>
 <p:tagLst xmlns:a="http://schemas.openxmlformats.org/drawingml/2006/main" xmlns:r="http://schemas.openxmlformats.org/officeDocument/2006/relationships" xmlns:p="http://schemas.openxmlformats.org/presentationml/2006/main">
-  <p:tag name="NUM" val="1"/>
+  <p:tag name="NUM" val="2"/>
 </p:tagLst>
 </file>
 
 <file path=ppt/tags/tag74.xml><?xml version="1.0" encoding="utf-8"?>
 <p:tagLst xmlns:a="http://schemas.openxmlformats.org/drawingml/2006/main" xmlns:r="http://schemas.openxmlformats.org/officeDocument/2006/relationships" xmlns:p="http://schemas.openxmlformats.org/presentationml/2006/main">
-  <p:tag name="NUM" val="2"/>
+  <p:tag name="NUM" val="1"/>
 </p:tagLst>
 </file>
 
 <file path=ppt/tags/tag75.xml><?xml version="1.0" encoding="utf-8"?>
 <p:tagLst xmlns:a="http://schemas.openxmlformats.org/drawingml/2006/main" xmlns:r="http://schemas.openxmlformats.org/officeDocument/2006/relationships" xmlns:p="http://schemas.openxmlformats.org/presentationml/2006/main">
-  <p:tag name="NUM" val="1"/>
+  <p:tag name="NUM" val="2"/>
 </p:tagLst>
 </file>
 
 <file path=ppt/tags/tag76.xml><?xml version="1.0" encoding="utf-8"?>
 <p:tagLst xmlns:a="http://schemas.openxmlformats.org/drawingml/2006/main" xmlns:r="http://schemas.openxmlformats.org/officeDocument/2006/relationships" xmlns:p="http://schemas.openxmlformats.org/presentationml/2006/main">
-  <p:tag name="NUM" val="2"/>
+  <p:tag name="NUM" val="3"/>
 </p:tagLst>
 </file>
 
 <file path=ppt/tags/tag77.xml><?xml version="1.0" encoding="utf-8"?>
-<p:tagLst xmlns:a="http://schemas.openxmlformats.org/drawingml/2006/main" xmlns:r="http://schemas.openxmlformats.org/officeDocument/2006/relationships" xmlns:p="http://schemas.openxmlformats.org/presentationml/2006/main">
-  <p:tag name="NUM" val="3"/>
-</p:tagLst>
-</file>
-
-<file path=ppt/tags/tag78.xml><?xml version="1.0" encoding="utf-8"?>
 <p:tagLst xmlns:a="http://schemas.openxmlformats.org/drawingml/2006/main" xmlns:r="http://schemas.openxmlformats.org/officeDocument/2006/relationships" xmlns:p="http://schemas.openxmlformats.org/presentationml/2006/main">
   <p:tag name="NUM" val="4"/>
 </p:tagLst>
